--- a/Object Oriented Programing.pptx
+++ b/Object Oriented Programing.pptx
@@ -5,10 +5,10 @@
     <p:sldMasterId id="2147483648" r:id="rId4"/>
   </p:sldMasterIdLst>
   <p:notesMasterIdLst>
-    <p:notesMasterId r:id="rId17"/>
+    <p:notesMasterId r:id="rId18"/>
   </p:notesMasterIdLst>
   <p:handoutMasterIdLst>
-    <p:handoutMasterId r:id="rId18"/>
+    <p:handoutMasterId r:id="rId19"/>
   </p:handoutMasterIdLst>
   <p:sldIdLst>
     <p:sldId id="258" r:id="rId5"/>
@@ -23,6 +23,7 @@
     <p:sldId id="265" r:id="rId14"/>
     <p:sldId id="266" r:id="rId15"/>
     <p:sldId id="267" r:id="rId16"/>
+    <p:sldId id="270" r:id="rId17"/>
   </p:sldIdLst>
   <p:sldSz cx="12192000" cy="6858000"/>
   <p:notesSz cx="6858000" cy="9144000"/>
@@ -237,7 +238,7 @@
           <a:p>
             <a:fld id="{97AB3EA8-A58D-4C92-A3AB-D271CCC294C7}" type="datetimeFigureOut">
               <a:rPr lang="en-US" smtClean="0"/>
-              <a:t>5/17/2020</a:t>
+              <a:t>5/18/2020</a:t>
             </a:fld>
             <a:endParaRPr lang="en-US" dirty="0"/>
           </a:p>
@@ -414,7 +415,7 @@
           <a:p>
             <a:fld id="{0AEFB4FA-E877-413E-B608-88789D806C57}" type="datetimeFigureOut">
               <a:rPr lang="en-US" noProof="0" smtClean="0"/>
-              <a:t>5/17/2020</a:t>
+              <a:t>5/18/2020</a:t>
             </a:fld>
             <a:endParaRPr lang="en-US" noProof="0" dirty="0"/>
           </a:p>
@@ -16348,7 +16349,7 @@
           <a:p>
             <a:fld id="{D951F27F-98F9-A147-8986-34441C7B752D}" type="datetime1">
               <a:rPr lang="en-US" noProof="0" smtClean="0"/>
-              <a:t>5/17/2020</a:t>
+              <a:t>5/18/2020</a:t>
             </a:fld>
             <a:endParaRPr lang="en-US" noProof="0" dirty="0"/>
           </a:p>
@@ -16991,7 +16992,7 @@
         <p:spPr>
           <a:xfrm>
             <a:off x="515938" y="1617785"/>
-            <a:ext cx="10847758" cy="1200329"/>
+            <a:ext cx="10847758" cy="1815882"/>
           </a:xfrm>
           <a:prstGeom prst="rect">
             <a:avLst/>
@@ -17009,7 +17010,7 @@
               <a:buChar char="•"/>
             </a:pPr>
             <a:r>
-              <a:rPr lang="en-US" dirty="0">
+              <a:rPr lang="en-US" sz="2800" dirty="0">
                 <a:solidFill>
                   <a:srgbClr val="00B050"/>
                 </a:solidFill>
@@ -17023,9 +17024,9 @@
               <a:buChar char="•"/>
             </a:pPr>
             <a:r>
-              <a:rPr lang="en-US" dirty="0">
+              <a:rPr lang="en-US" sz="2800" dirty="0">
                 <a:solidFill>
-                  <a:srgbClr val="FF0000"/>
+                  <a:srgbClr val="00B050"/>
                 </a:solidFill>
               </a:rPr>
               <a:t>Multilevel Inheritance</a:t>
@@ -17037,9 +17038,9 @@
               <a:buChar char="•"/>
             </a:pPr>
             <a:r>
-              <a:rPr lang="en-US" dirty="0">
+              <a:rPr lang="en-US" sz="2800" dirty="0">
                 <a:solidFill>
-                  <a:srgbClr val="00B050"/>
+                  <a:srgbClr val="FF0000"/>
                 </a:solidFill>
               </a:rPr>
               <a:t>Multiple Inheritance</a:t>
@@ -17051,7 +17052,7 @@
               <a:buChar char="•"/>
             </a:pPr>
             <a:r>
-              <a:rPr lang="en-US" dirty="0">
+              <a:rPr lang="en-US" sz="2800" dirty="0">
                 <a:solidFill>
                   <a:srgbClr val="00B050"/>
                 </a:solidFill>
@@ -17211,6 +17212,61 @@
       </p:grpSpPr>
       <p:sp>
         <p:nvSpPr>
+          <p:cNvPr id="3" name="Slide Number Placeholder 2">
+            <a:extLst>
+              <a:ext uri="{FF2B5EF4-FFF2-40B4-BE49-F238E27FC236}">
+                <a16:creationId xmlns:a16="http://schemas.microsoft.com/office/drawing/2014/main" id="{B4116BB3-57E7-4708-91DF-B1F5A86DEA11}"/>
+              </a:ext>
+            </a:extLst>
+          </p:cNvPr>
+          <p:cNvSpPr>
+            <a:spLocks noGrp="1"/>
+          </p:cNvSpPr>
+          <p:nvPr>
+            <p:ph type="sldNum" sz="quarter" idx="12"/>
+          </p:nvPr>
+        </p:nvSpPr>
+        <p:spPr/>
+        <p:txBody>
+          <a:bodyPr/>
+          <a:lstStyle/>
+          <a:p>
+            <a:fld id="{9EC71654-96A5-4280-94F3-931C61A9F92C}" type="slidenum">
+              <a:rPr lang="en-US" noProof="0" smtClean="0"/>
+              <a:pPr/>
+              <a:t>12</a:t>
+            </a:fld>
+            <a:endParaRPr lang="en-US" noProof="0" dirty="0"/>
+          </a:p>
+        </p:txBody>
+      </p:sp>
+      <p:sp>
+        <p:nvSpPr>
+          <p:cNvPr id="5" name="Content Placeholder 4">
+            <a:extLst>
+              <a:ext uri="{FF2B5EF4-FFF2-40B4-BE49-F238E27FC236}">
+                <a16:creationId xmlns:a16="http://schemas.microsoft.com/office/drawing/2014/main" id="{3428A938-5CA0-4D24-9927-565FC40D14E9}"/>
+              </a:ext>
+            </a:extLst>
+          </p:cNvPr>
+          <p:cNvSpPr>
+            <a:spLocks noGrp="1"/>
+          </p:cNvSpPr>
+          <p:nvPr>
+            <p:ph idx="1"/>
+          </p:nvPr>
+        </p:nvSpPr>
+        <p:spPr/>
+        <p:txBody>
+          <a:bodyPr/>
+          <a:lstStyle/>
+          <a:p>
+            <a:endParaRPr lang="en-US"/>
+          </a:p>
+        </p:txBody>
+      </p:sp>
+      <p:sp>
+        <p:nvSpPr>
           <p:cNvPr id="2" name="Title 1">
             <a:extLst>
               <a:ext uri="{FF2B5EF4-FFF2-40B4-BE49-F238E27FC236}">
@@ -17239,10 +17295,145 @@
       </p:sp>
       <p:sp>
         <p:nvSpPr>
+          <p:cNvPr id="4" name="TextBox 3">
+            <a:extLst>
+              <a:ext uri="{FF2B5EF4-FFF2-40B4-BE49-F238E27FC236}">
+                <a16:creationId xmlns:a16="http://schemas.microsoft.com/office/drawing/2014/main" id="{2646B2F5-D61B-4849-A85D-099B2A481448}"/>
+              </a:ext>
+            </a:extLst>
+          </p:cNvPr>
+          <p:cNvSpPr txBox="1"/>
+          <p:nvPr/>
+        </p:nvSpPr>
+        <p:spPr>
+          <a:xfrm>
+            <a:off x="1591408" y="2242038"/>
+            <a:ext cx="8027377" cy="2308324"/>
+          </a:xfrm>
+          <a:prstGeom prst="rect">
+            <a:avLst/>
+          </a:prstGeom>
+          <a:noFill/>
+        </p:spPr>
+        <p:txBody>
+          <a:bodyPr wrap="square" rtlCol="0">
+            <a:spAutoFit/>
+          </a:bodyPr>
+          <a:lstStyle/>
+          <a:p>
+            <a:r>
+              <a:rPr lang="en-US" dirty="0"/>
+              <a:t>Abstract Class is the class which cannot be instantiated. </a:t>
+            </a:r>
+          </a:p>
+          <a:p>
+            <a:endParaRPr lang="en-US" dirty="0"/>
+          </a:p>
+          <a:p>
+            <a:r>
+              <a:rPr lang="en-US" dirty="0"/>
+              <a:t>It is used for the parent class. </a:t>
+            </a:r>
+          </a:p>
+          <a:p>
+            <a:endParaRPr lang="en-US" dirty="0"/>
+          </a:p>
+          <a:p>
+            <a:r>
+              <a:rPr lang="en-US" dirty="0"/>
+              <a:t>Syntax:</a:t>
+            </a:r>
+          </a:p>
+          <a:p>
+            <a:r>
+              <a:rPr lang="en-US" dirty="0"/>
+              <a:t>abstract class Parent{</a:t>
+            </a:r>
+          </a:p>
+          <a:p>
+            <a:r>
+              <a:rPr lang="en-US" dirty="0"/>
+              <a:t>	//your code goes here…</a:t>
+            </a:r>
+          </a:p>
+          <a:p>
+            <a:r>
+              <a:rPr lang="en-US" dirty="0"/>
+              <a:t>}</a:t>
+            </a:r>
+          </a:p>
+        </p:txBody>
+      </p:sp>
+    </p:spTree>
+    <p:extLst>
+      <p:ext uri="{BB962C8B-B14F-4D97-AF65-F5344CB8AC3E}">
+        <p14:creationId xmlns:p14="http://schemas.microsoft.com/office/powerpoint/2010/main" val="2095712762"/>
+      </p:ext>
+    </p:extLst>
+  </p:cSld>
+  <p:clrMapOvr>
+    <a:masterClrMapping/>
+  </p:clrMapOvr>
+</p:sld>
+</file>
+
+<file path=ppt/slides/slide13.xml><?xml version="1.0" encoding="utf-8"?>
+<p:sld xmlns:a="http://schemas.openxmlformats.org/drawingml/2006/main" xmlns:r="http://schemas.openxmlformats.org/officeDocument/2006/relationships" xmlns:p="http://schemas.openxmlformats.org/presentationml/2006/main">
+  <p:cSld>
+    <p:spTree>
+      <p:nvGrpSpPr>
+        <p:cNvPr id="1" name=""/>
+        <p:cNvGrpSpPr/>
+        <p:nvPr/>
+      </p:nvGrpSpPr>
+      <p:grpSpPr>
+        <a:xfrm>
+          <a:off x="0" y="0"/>
+          <a:ext cx="0" cy="0"/>
+          <a:chOff x="0" y="0"/>
+          <a:chExt cx="0" cy="0"/>
+        </a:xfrm>
+      </p:grpSpPr>
+      <p:sp>
+        <p:nvSpPr>
+          <p:cNvPr id="2" name="Title 1">
+            <a:extLst>
+              <a:ext uri="{FF2B5EF4-FFF2-40B4-BE49-F238E27FC236}">
+                <a16:creationId xmlns:a16="http://schemas.microsoft.com/office/drawing/2014/main" id="{6C2769C0-2AF0-40F9-AE9B-6470F9C08D40}"/>
+              </a:ext>
+            </a:extLst>
+          </p:cNvPr>
+          <p:cNvSpPr>
+            <a:spLocks noGrp="1"/>
+          </p:cNvSpPr>
+          <p:nvPr>
+            <p:ph type="title"/>
+          </p:nvPr>
+        </p:nvSpPr>
+        <p:spPr>
+          <a:xfrm>
+            <a:off x="515938" y="2968832"/>
+            <a:ext cx="11150600" cy="920336"/>
+          </a:xfrm>
+        </p:spPr>
+        <p:txBody>
+          <a:bodyPr/>
+          <a:lstStyle/>
+          <a:p>
+            <a:pPr algn="ctr"/>
+            <a:r>
+              <a:rPr lang="en-US" dirty="0"/>
+              <a:t>#Demonstration</a:t>
+            </a:r>
+          </a:p>
+        </p:txBody>
+      </p:sp>
+      <p:sp>
+        <p:nvSpPr>
           <p:cNvPr id="3" name="Slide Number Placeholder 2">
             <a:extLst>
               <a:ext uri="{FF2B5EF4-FFF2-40B4-BE49-F238E27FC236}">
-                <a16:creationId xmlns:a16="http://schemas.microsoft.com/office/drawing/2014/main" id="{B4116BB3-57E7-4708-91DF-B1F5A86DEA11}"/>
+                <a16:creationId xmlns:a16="http://schemas.microsoft.com/office/drawing/2014/main" id="{9B8D7DF2-B83E-40E6-9E8B-FD4CAD97BFA0}"/>
               </a:ext>
             </a:extLst>
           </p:cNvPr>
@@ -17261,87 +17452,16 @@
             <a:fld id="{9EC71654-96A5-4280-94F3-931C61A9F92C}" type="slidenum">
               <a:rPr lang="en-US" noProof="0" smtClean="0"/>
               <a:pPr/>
-              <a:t>12</a:t>
+              <a:t>13</a:t>
             </a:fld>
             <a:endParaRPr lang="en-US" noProof="0" dirty="0"/>
-          </a:p>
-        </p:txBody>
-      </p:sp>
-      <p:sp>
-        <p:nvSpPr>
-          <p:cNvPr id="4" name="TextBox 3">
-            <a:extLst>
-              <a:ext uri="{FF2B5EF4-FFF2-40B4-BE49-F238E27FC236}">
-                <a16:creationId xmlns:a16="http://schemas.microsoft.com/office/drawing/2014/main" id="{2646B2F5-D61B-4849-A85D-099B2A481448}"/>
-              </a:ext>
-            </a:extLst>
-          </p:cNvPr>
-          <p:cNvSpPr txBox="1"/>
-          <p:nvPr/>
-        </p:nvSpPr>
-        <p:spPr>
-          <a:xfrm>
-            <a:off x="1591408" y="2242038"/>
-            <a:ext cx="8027377" cy="2308324"/>
-          </a:xfrm>
-          <a:prstGeom prst="rect">
-            <a:avLst/>
-          </a:prstGeom>
-          <a:noFill/>
-        </p:spPr>
-        <p:txBody>
-          <a:bodyPr wrap="square" rtlCol="0">
-            <a:spAutoFit/>
-          </a:bodyPr>
-          <a:lstStyle/>
-          <a:p>
-            <a:r>
-              <a:rPr lang="en-US" dirty="0"/>
-              <a:t>Abstract Class is the class which cannot be instantiated. </a:t>
-            </a:r>
-          </a:p>
-          <a:p>
-            <a:endParaRPr lang="en-US" dirty="0"/>
-          </a:p>
-          <a:p>
-            <a:r>
-              <a:rPr lang="en-US" dirty="0"/>
-              <a:t>It is used for the parent class. </a:t>
-            </a:r>
-          </a:p>
-          <a:p>
-            <a:endParaRPr lang="en-US" dirty="0"/>
-          </a:p>
-          <a:p>
-            <a:r>
-              <a:rPr lang="en-US" dirty="0"/>
-              <a:t>Syntax:</a:t>
-            </a:r>
-          </a:p>
-          <a:p>
-            <a:r>
-              <a:rPr lang="en-US" dirty="0"/>
-              <a:t>abstract class Parent{</a:t>
-            </a:r>
-          </a:p>
-          <a:p>
-            <a:r>
-              <a:rPr lang="en-US" dirty="0"/>
-              <a:t>	//your code goes here…</a:t>
-            </a:r>
-          </a:p>
-          <a:p>
-            <a:r>
-              <a:rPr lang="en-US" dirty="0"/>
-              <a:t>}</a:t>
-            </a:r>
           </a:p>
         </p:txBody>
       </p:sp>
     </p:spTree>
     <p:extLst>
       <p:ext uri="{BB962C8B-B14F-4D97-AF65-F5344CB8AC3E}">
-        <p14:creationId xmlns:p14="http://schemas.microsoft.com/office/powerpoint/2010/main" val="2095712762"/>
+        <p14:creationId xmlns:p14="http://schemas.microsoft.com/office/powerpoint/2010/main" val="303985137"/>
       </p:ext>
     </p:extLst>
   </p:cSld>
@@ -19570,6 +19690,23 @@
 </file>
 
 <file path=customXml/item1.xml><?xml version="1.0" encoding="utf-8"?>
+<p:properties xmlns:p="http://schemas.microsoft.com/office/2006/metadata/properties" xmlns:xsi="http://www.w3.org/2001/XMLSchema-instance" xmlns:pc="http://schemas.microsoft.com/office/infopath/2007/PartnerControls">
+  <documentManagement>
+    <MediaServiceKeyPoints xmlns="71af3243-3dd4-4a8d-8c0d-dd76da1f02a5" xsi:nil="true"/>
+  </documentManagement>
+</p:properties>
+</file>
+
+<file path=customXml/item2.xml><?xml version="1.0" encoding="utf-8"?>
+<?mso-contentType ?>
+<FormTemplates xmlns="http://schemas.microsoft.com/sharepoint/v3/contenttype/forms">
+  <Display>DocumentLibraryForm</Display>
+  <Edit>DocumentLibraryForm</Edit>
+  <New>DocumentLibraryForm</New>
+</FormTemplates>
+</file>
+
+<file path=customXml/item3.xml><?xml version="1.0" encoding="utf-8"?>
 <ct:contentTypeSchema xmlns:ct="http://schemas.microsoft.com/office/2006/metadata/contentType" xmlns:ma="http://schemas.microsoft.com/office/2006/metadata/properties/metaAttributes" ct:_="" ma:_="" ma:contentTypeName="Document" ma:contentTypeID="0x01010079F111ED35F8CC479449609E8A0923A6" ma:contentTypeVersion="11" ma:contentTypeDescription="Create a new document." ma:contentTypeScope="" ma:versionID="9677210f24a1be23c92c90fd886aa0aa">
   <xsd:schema xmlns:xsd="http://www.w3.org/2001/XMLSchema" xmlns:xs="http://www.w3.org/2001/XMLSchema" xmlns:p="http://schemas.microsoft.com/office/2006/metadata/properties" xmlns:ns2="71af3243-3dd4-4a8d-8c0d-dd76da1f02a5" xmlns:ns3="16c05727-aa75-4e4a-9b5f-8a80a1165891" targetNamespace="http://schemas.microsoft.com/office/2006/metadata/properties" ma:root="true" ma:fieldsID="60e05723c5c1908df1a1a4ebf11d344e" ns2:_="" ns3:_="">
     <xsd:import namespace="71af3243-3dd4-4a8d-8c0d-dd76da1f02a5"/>
@@ -19780,24 +19917,25 @@
 </ct:contentTypeSchema>
 </file>
 
-<file path=customXml/item2.xml><?xml version="1.0" encoding="utf-8"?>
-<?mso-contentType ?>
-<FormTemplates xmlns="http://schemas.microsoft.com/sharepoint/v3/contenttype/forms">
-  <Display>DocumentLibraryForm</Display>
-  <Edit>DocumentLibraryForm</Edit>
-  <New>DocumentLibraryForm</New>
-</FormTemplates>
+<file path=customXml/itemProps1.xml><?xml version="1.0" encoding="utf-8"?>
+<ds:datastoreItem xmlns:ds="http://schemas.openxmlformats.org/officeDocument/2006/customXml" ds:itemID="{CEA9B47F-3DD8-4645-81DC-B88780643C07}">
+  <ds:schemaRefs>
+    <ds:schemaRef ds:uri="http://schemas.microsoft.com/office/2006/metadata/properties"/>
+    <ds:schemaRef ds:uri="http://schemas.microsoft.com/office/infopath/2007/PartnerControls"/>
+    <ds:schemaRef ds:uri="71af3243-3dd4-4a8d-8c0d-dd76da1f02a5"/>
+  </ds:schemaRefs>
+</ds:datastoreItem>
 </file>
 
-<file path=customXml/item3.xml><?xml version="1.0" encoding="utf-8"?>
-<p:properties xmlns:p="http://schemas.microsoft.com/office/2006/metadata/properties" xmlns:xsi="http://www.w3.org/2001/XMLSchema-instance" xmlns:pc="http://schemas.microsoft.com/office/infopath/2007/PartnerControls">
-  <documentManagement>
-    <MediaServiceKeyPoints xmlns="71af3243-3dd4-4a8d-8c0d-dd76da1f02a5" xsi:nil="true"/>
-  </documentManagement>
-</p:properties>
+<file path=customXml/itemProps2.xml><?xml version="1.0" encoding="utf-8"?>
+<ds:datastoreItem xmlns:ds="http://schemas.openxmlformats.org/officeDocument/2006/customXml" ds:itemID="{B0C07E3D-60A7-4F4E-8208-D9CCD01982CB}">
+  <ds:schemaRefs>
+    <ds:schemaRef ds:uri="http://schemas.microsoft.com/sharepoint/v3/contenttype/forms"/>
+  </ds:schemaRefs>
+</ds:datastoreItem>
 </file>
 
-<file path=customXml/itemProps1.xml><?xml version="1.0" encoding="utf-8"?>
+<file path=customXml/itemProps3.xml><?xml version="1.0" encoding="utf-8"?>
 <ds:datastoreItem xmlns:ds="http://schemas.openxmlformats.org/officeDocument/2006/customXml" ds:itemID="{631071E6-22AE-499A-B09C-BF21CF5F7483}">
   <ds:schemaRefs>
     <ds:schemaRef ds:uri="http://schemas.microsoft.com/office/2006/metadata/contentType"/>
@@ -19814,22 +19952,4 @@
     <ds:schemaRef ds:uri="http://schemas.microsoft.com/internal/obd"/>
   </ds:schemaRefs>
 </ds:datastoreItem>
-</file>
-
-<file path=customXml/itemProps2.xml><?xml version="1.0" encoding="utf-8"?>
-<ds:datastoreItem xmlns:ds="http://schemas.openxmlformats.org/officeDocument/2006/customXml" ds:itemID="{B0C07E3D-60A7-4F4E-8208-D9CCD01982CB}">
-  <ds:schemaRefs>
-    <ds:schemaRef ds:uri="http://schemas.microsoft.com/sharepoint/v3/contenttype/forms"/>
-  </ds:schemaRefs>
-</ds:datastoreItem>
-</file>
-
-<file path=customXml/itemProps3.xml><?xml version="1.0" encoding="utf-8"?>
-<ds:datastoreItem xmlns:ds="http://schemas.openxmlformats.org/officeDocument/2006/customXml" ds:itemID="{CEA9B47F-3DD8-4645-81DC-B88780643C07}">
-  <ds:schemaRefs>
-    <ds:schemaRef ds:uri="http://schemas.microsoft.com/office/2006/metadata/properties"/>
-    <ds:schemaRef ds:uri="http://schemas.microsoft.com/office/infopath/2007/PartnerControls"/>
-    <ds:schemaRef ds:uri="71af3243-3dd4-4a8d-8c0d-dd76da1f02a5"/>
-  </ds:schemaRefs>
-</ds:datastoreItem>
 </file>